--- a/Assert track.pptx
+++ b/Assert track.pptx
@@ -118,6 +118,35 @@
     </p:ext>
   </p:extLst>
 </p:presentation>
+</file>
+
+<file path=ppt/changesInfos/changesInfo1.xml><?xml version="1.0" encoding="utf-8"?>
+<pc:chgInfo xmlns:a="http://schemas.openxmlformats.org/drawingml/2006/main" xmlns:r="http://schemas.openxmlformats.org/officeDocument/2006/relationships" xmlns:ac="http://schemas.microsoft.com/office/drawing/2013/main/command" xmlns:pc="http://schemas.microsoft.com/office/powerpoint/2013/main/command">
+  <pc:docChgLst>
+    <pc:chgData name="Mangalkuntla Renuka Devi" userId="3fed1549a0c9dbfe" providerId="LiveId" clId="{1550862C-5966-47FA-91F3-F0C514E94E7A}"/>
+    <pc:docChg chg="modSld">
+      <pc:chgData name="Mangalkuntla Renuka Devi" userId="3fed1549a0c9dbfe" providerId="LiveId" clId="{1550862C-5966-47FA-91F3-F0C514E94E7A}" dt="2024-03-25T20:50:29.691" v="16" actId="20577"/>
+      <pc:docMkLst>
+        <pc:docMk/>
+      </pc:docMkLst>
+      <pc:sldChg chg="modSp mod">
+        <pc:chgData name="Mangalkuntla Renuka Devi" userId="3fed1549a0c9dbfe" providerId="LiveId" clId="{1550862C-5966-47FA-91F3-F0C514E94E7A}" dt="2024-03-25T20:50:29.691" v="16" actId="20577"/>
+        <pc:sldMkLst>
+          <pc:docMk/>
+          <pc:sldMk cId="4065304865" sldId="257"/>
+        </pc:sldMkLst>
+        <pc:spChg chg="mod">
+          <ac:chgData name="Mangalkuntla Renuka Devi" userId="3fed1549a0c9dbfe" providerId="LiveId" clId="{1550862C-5966-47FA-91F3-F0C514E94E7A}" dt="2024-03-25T20:50:29.691" v="16" actId="20577"/>
+          <ac:spMkLst>
+            <pc:docMk/>
+            <pc:sldMk cId="4065304865" sldId="257"/>
+            <ac:spMk id="3" creationId="{98DBCC2B-6257-4A8F-5919-98D798899BAF}"/>
+          </ac:spMkLst>
+        </pc:spChg>
+      </pc:sldChg>
+    </pc:docChg>
+  </pc:docChgLst>
+</pc:chgInfo>
 </file>
 
 <file path=ppt/slideLayouts/slideLayout1.xml><?xml version="1.0" encoding="utf-8"?>
@@ -6191,7 +6220,7 @@
                 <a:ea typeface="Calibri" panose="020F0502020204030204" pitchFamily="34" charset="0"/>
                 <a:cs typeface="Times New Roman" panose="02020603050405020304" pitchFamily="18" charset="0"/>
               </a:rPr>
-              <a:t> assigning ownership to specific users, and tracking changes in asset status over time. Asset Track aims to streamline asset management processes, reduce the risk of loss or misplacement, and ensure better utilization of resources. By automating tasks such as asset identification, tracking, and reporting, Asset Track contributes to improved organization, increased accountability, </a:t>
+              <a:t> assigning ownership to specific users, and tracking changes in asset status over time. Asset Track aims to streamline asset management processes, reduce the risk of loss or misplacement, and ensure better utilization of resources. By automating tasks such as asset identification, tracking, and reporting, Asset Track contributes to improved organization, increased accountability, and ultimately of </a:t>
             </a:r>
             <a:r>
               <a:rPr lang="en-US" sz="2400" b="0" i="0">
@@ -6203,18 +6232,7 @@
                 <a:ea typeface="Calibri" panose="020F0502020204030204" pitchFamily="34" charset="0"/>
                 <a:cs typeface="Times New Roman" panose="02020603050405020304" pitchFamily="18" charset="0"/>
               </a:rPr>
-              <a:t>and ultimately</a:t>
-            </a:r>
-            <a:r>
-              <a:rPr lang="en-US" sz="2400">
-                <a:solidFill>
-                  <a:srgbClr val="0D0D0D"/>
-                </a:solidFill>
-                <a:latin typeface="Times New Roman" panose="02020603050405020304" pitchFamily="18" charset="0"/>
-                <a:ea typeface="Calibri" panose="020F0502020204030204" pitchFamily="34" charset="0"/>
-                <a:cs typeface="Times New Roman" panose="02020603050405020304" pitchFamily="18" charset="0"/>
-              </a:rPr>
-              <a:t>.</a:t>
+              <a:t>asset track.</a:t>
             </a:r>
             <a:endParaRPr lang="en-IN" sz="2400" dirty="0">
               <a:solidFill>
